--- a/ChildAlertSystem/ProjectDocuments/final/ECE574_final_project.pptx
+++ b/ChildAlertSystem/ProjectDocuments/final/ECE574_final_project.pptx
@@ -125,7 +125,7 @@
   </p:defaultTextStyle>
   <p:extLst>
     <p:ext uri="{EFAFB233-063F-42B5-8137-9DF3F51BA10A}">
-      <p15:sldGuideLst xmlns:p15="http://schemas.microsoft.com/office/powerpoint/2012/main" xmlns="">
+      <p15:sldGuideLst xmlns:p15="http://schemas.microsoft.com/office/powerpoint/2012/main">
         <p15:guide id="1" orient="horz" pos="2160">
           <p15:clr>
             <a:srgbClr val="A4A3A4"/>
@@ -290,7 +290,7 @@
           <a:p>
             <a:fld id="{41F8D19A-CDA4-40C2-B5D8-B7BBF35B7617}" type="datetimeFigureOut">
               <a:rPr lang="en-US" smtClean="0"/>
-              <a:t>12/8/2019</a:t>
+              <a:t>12/9/2019</a:t>
             </a:fld>
             <a:endParaRPr lang="en-US"/>
           </a:p>
@@ -648,7 +648,7 @@
           <a:p>
             <a:fld id="{41F8D19A-CDA4-40C2-B5D8-B7BBF35B7617}" type="datetimeFigureOut">
               <a:rPr lang="en-US" smtClean="0"/>
-              <a:t>12/8/2019</a:t>
+              <a:t>12/9/2019</a:t>
             </a:fld>
             <a:endParaRPr lang="en-US"/>
           </a:p>
@@ -822,7 +822,7 @@
           <a:p>
             <a:fld id="{41F8D19A-CDA4-40C2-B5D8-B7BBF35B7617}" type="datetimeFigureOut">
               <a:rPr lang="en-US" smtClean="0"/>
-              <a:t>12/8/2019</a:t>
+              <a:t>12/9/2019</a:t>
             </a:fld>
             <a:endParaRPr lang="en-US"/>
           </a:p>
@@ -1056,7 +1056,7 @@
           <a:p>
             <a:fld id="{41F8D19A-CDA4-40C2-B5D8-B7BBF35B7617}" type="datetimeFigureOut">
               <a:rPr lang="en-US" smtClean="0"/>
-              <a:t>12/8/2019</a:t>
+              <a:t>12/9/2019</a:t>
             </a:fld>
             <a:endParaRPr lang="en-US"/>
           </a:p>
@@ -1324,7 +1324,7 @@
           <a:p>
             <a:fld id="{41F8D19A-CDA4-40C2-B5D8-B7BBF35B7617}" type="datetimeFigureOut">
               <a:rPr lang="en-US" smtClean="0"/>
-              <a:t>12/8/2019</a:t>
+              <a:t>12/9/2019</a:t>
             </a:fld>
             <a:endParaRPr lang="en-US"/>
           </a:p>
@@ -1543,7 +1543,7 @@
           <a:p>
             <a:fld id="{41F8D19A-CDA4-40C2-B5D8-B7BBF35B7617}" type="datetimeFigureOut">
               <a:rPr lang="en-US" smtClean="0"/>
-              <a:t>12/8/2019</a:t>
+              <a:t>12/9/2019</a:t>
             </a:fld>
             <a:endParaRPr lang="en-US"/>
           </a:p>
@@ -1894,7 +1894,7 @@
           <a:p>
             <a:fld id="{41F8D19A-CDA4-40C2-B5D8-B7BBF35B7617}" type="datetimeFigureOut">
               <a:rPr lang="en-US" smtClean="0"/>
-              <a:t>12/8/2019</a:t>
+              <a:t>12/9/2019</a:t>
             </a:fld>
             <a:endParaRPr lang="en-US"/>
           </a:p>
@@ -2125,7 +2125,7 @@
           <a:p>
             <a:fld id="{41F8D19A-CDA4-40C2-B5D8-B7BBF35B7617}" type="datetimeFigureOut">
               <a:rPr lang="en-US" smtClean="0"/>
-              <a:t>12/8/2019</a:t>
+              <a:t>12/9/2019</a:t>
             </a:fld>
             <a:endParaRPr lang="en-US"/>
           </a:p>
@@ -2265,7 +2265,7 @@
           <a:p>
             <a:fld id="{41F8D19A-CDA4-40C2-B5D8-B7BBF35B7617}" type="datetimeFigureOut">
               <a:rPr lang="en-US" smtClean="0"/>
-              <a:t>12/8/2019</a:t>
+              <a:t>12/9/2019</a:t>
             </a:fld>
             <a:endParaRPr lang="en-US"/>
           </a:p>
@@ -2541,7 +2541,7 @@
           <a:p>
             <a:fld id="{41F8D19A-CDA4-40C2-B5D8-B7BBF35B7617}" type="datetimeFigureOut">
               <a:rPr lang="en-US" smtClean="0"/>
-              <a:t>12/8/2019</a:t>
+              <a:t>12/9/2019</a:t>
             </a:fld>
             <a:endParaRPr lang="en-US"/>
           </a:p>
@@ -2947,7 +2947,7 @@
           <a:p>
             <a:fld id="{41F8D19A-CDA4-40C2-B5D8-B7BBF35B7617}" type="datetimeFigureOut">
               <a:rPr lang="en-US" smtClean="0"/>
-              <a:t>12/8/2019</a:t>
+              <a:t>12/9/2019</a:t>
             </a:fld>
             <a:endParaRPr lang="en-US"/>
           </a:p>
@@ -3283,7 +3283,7 @@
           <a:p>
             <a:fld id="{41F8D19A-CDA4-40C2-B5D8-B7BBF35B7617}" type="datetimeFigureOut">
               <a:rPr lang="en-US" smtClean="0"/>
-              <a:t>12/8/2019</a:t>
+              <a:t>12/9/2019</a:t>
             </a:fld>
             <a:endParaRPr lang="en-US"/>
           </a:p>
@@ -4434,42 +4434,42 @@
                 <a:gridCol w="655915">
                   <a:extLst>
                     <a:ext uri="{9D8B030D-6E8A-4147-A177-3AD203B41FA5}">
-                      <a16:colId xmlns:a16="http://schemas.microsoft.com/office/drawing/2014/main" xmlns="" val="20000"/>
+                      <a16:colId xmlns:a16="http://schemas.microsoft.com/office/drawing/2014/main" val="20000"/>
                     </a:ext>
                   </a:extLst>
                 </a:gridCol>
                 <a:gridCol w="2294332">
                   <a:extLst>
                     <a:ext uri="{9D8B030D-6E8A-4147-A177-3AD203B41FA5}">
-                      <a16:colId xmlns:a16="http://schemas.microsoft.com/office/drawing/2014/main" xmlns="" val="20001"/>
+                      <a16:colId xmlns:a16="http://schemas.microsoft.com/office/drawing/2014/main" val="20001"/>
                     </a:ext>
                   </a:extLst>
                 </a:gridCol>
                 <a:gridCol w="1571918">
                   <a:extLst>
                     <a:ext uri="{9D8B030D-6E8A-4147-A177-3AD203B41FA5}">
-                      <a16:colId xmlns:a16="http://schemas.microsoft.com/office/drawing/2014/main" xmlns="" val="20002"/>
+                      <a16:colId xmlns:a16="http://schemas.microsoft.com/office/drawing/2014/main" val="20002"/>
                     </a:ext>
                   </a:extLst>
                 </a:gridCol>
                 <a:gridCol w="1919747">
                   <a:extLst>
                     <a:ext uri="{9D8B030D-6E8A-4147-A177-3AD203B41FA5}">
-                      <a16:colId xmlns:a16="http://schemas.microsoft.com/office/drawing/2014/main" xmlns="" val="20003"/>
+                      <a16:colId xmlns:a16="http://schemas.microsoft.com/office/drawing/2014/main" val="20003"/>
                     </a:ext>
                   </a:extLst>
                 </a:gridCol>
                 <a:gridCol w="1598674">
                   <a:extLst>
                     <a:ext uri="{9D8B030D-6E8A-4147-A177-3AD203B41FA5}">
-                      <a16:colId xmlns:a16="http://schemas.microsoft.com/office/drawing/2014/main" xmlns="" val="20004"/>
+                      <a16:colId xmlns:a16="http://schemas.microsoft.com/office/drawing/2014/main" val="20004"/>
                     </a:ext>
                   </a:extLst>
                 </a:gridCol>
                 <a:gridCol w="722414">
                   <a:extLst>
                     <a:ext uri="{9D8B030D-6E8A-4147-A177-3AD203B41FA5}">
-                      <a16:colId xmlns:a16="http://schemas.microsoft.com/office/drawing/2014/main" xmlns="" val="20005"/>
+                      <a16:colId xmlns:a16="http://schemas.microsoft.com/office/drawing/2014/main" val="20005"/>
                     </a:ext>
                   </a:extLst>
                 </a:gridCol>
@@ -4609,7 +4609,7 @@
                 </a:tc>
                 <a:extLst>
                   <a:ext uri="{0D108BD9-81ED-4DB2-BD59-A6C34878D82A}">
-                    <a16:rowId xmlns:a16="http://schemas.microsoft.com/office/drawing/2014/main" xmlns="" val="10000"/>
+                    <a16:rowId xmlns:a16="http://schemas.microsoft.com/office/drawing/2014/main" val="10000"/>
                   </a:ext>
                 </a:extLst>
               </a:tr>
@@ -4819,7 +4819,7 @@
                 </a:tc>
                 <a:extLst>
                   <a:ext uri="{0D108BD9-81ED-4DB2-BD59-A6C34878D82A}">
-                    <a16:rowId xmlns:a16="http://schemas.microsoft.com/office/drawing/2014/main" xmlns="" val="10001"/>
+                    <a16:rowId xmlns:a16="http://schemas.microsoft.com/office/drawing/2014/main" val="10001"/>
                   </a:ext>
                 </a:extLst>
               </a:tr>
@@ -5027,7 +5027,7 @@
                 </a:tc>
                 <a:extLst>
                   <a:ext uri="{0D108BD9-81ED-4DB2-BD59-A6C34878D82A}">
-                    <a16:rowId xmlns:a16="http://schemas.microsoft.com/office/drawing/2014/main" xmlns="" val="10002"/>
+                    <a16:rowId xmlns:a16="http://schemas.microsoft.com/office/drawing/2014/main" val="10002"/>
                   </a:ext>
                 </a:extLst>
               </a:tr>
@@ -5235,7 +5235,7 @@
                 </a:tc>
                 <a:extLst>
                   <a:ext uri="{0D108BD9-81ED-4DB2-BD59-A6C34878D82A}">
-                    <a16:rowId xmlns:a16="http://schemas.microsoft.com/office/drawing/2014/main" xmlns="" val="10003"/>
+                    <a16:rowId xmlns:a16="http://schemas.microsoft.com/office/drawing/2014/main" val="10003"/>
                   </a:ext>
                 </a:extLst>
               </a:tr>
@@ -5420,7 +5420,7 @@
                 </a:tc>
                 <a:extLst>
                   <a:ext uri="{0D108BD9-81ED-4DB2-BD59-A6C34878D82A}">
-                    <a16:rowId xmlns:a16="http://schemas.microsoft.com/office/drawing/2014/main" xmlns="" val="10004"/>
+                    <a16:rowId xmlns:a16="http://schemas.microsoft.com/office/drawing/2014/main" val="10004"/>
                   </a:ext>
                 </a:extLst>
               </a:tr>
@@ -5605,7 +5605,7 @@
                 </a:tc>
                 <a:extLst>
                   <a:ext uri="{0D108BD9-81ED-4DB2-BD59-A6C34878D82A}">
-                    <a16:rowId xmlns:a16="http://schemas.microsoft.com/office/drawing/2014/main" xmlns="" val="10005"/>
+                    <a16:rowId xmlns:a16="http://schemas.microsoft.com/office/drawing/2014/main" val="10005"/>
                   </a:ext>
                 </a:extLst>
               </a:tr>
@@ -5767,7 +5767,7 @@
                 </a:tc>
                 <a:extLst>
                   <a:ext uri="{0D108BD9-81ED-4DB2-BD59-A6C34878D82A}">
-                    <a16:rowId xmlns:a16="http://schemas.microsoft.com/office/drawing/2014/main" xmlns="" val="10006"/>
+                    <a16:rowId xmlns:a16="http://schemas.microsoft.com/office/drawing/2014/main" val="10006"/>
                   </a:ext>
                 </a:extLst>
               </a:tr>
@@ -5837,7 +5837,7 @@
           <p:cNvPr id="21" name="Picture 20">
             <a:extLst>
               <a:ext uri="{FF2B5EF4-FFF2-40B4-BE49-F238E27FC236}">
-                <a16:creationId xmlns:a16="http://schemas.microsoft.com/office/drawing/2014/main" xmlns="" id="{32DCFD82-A59F-4BA3-9AED-EDE54D708113}"/>
+                <a16:creationId xmlns:a16="http://schemas.microsoft.com/office/drawing/2014/main" id="{32DCFD82-A59F-4BA3-9AED-EDE54D708113}"/>
               </a:ext>
             </a:extLst>
           </p:cNvPr>
@@ -5873,7 +5873,7 @@
           <p:cNvPr id="24" name="Picture 23">
             <a:extLst>
               <a:ext uri="{FF2B5EF4-FFF2-40B4-BE49-F238E27FC236}">
-                <a16:creationId xmlns:a16="http://schemas.microsoft.com/office/drawing/2014/main" xmlns="" id="{89911AB0-10AD-4000-9B2B-F0D4761FD8FB}"/>
+                <a16:creationId xmlns:a16="http://schemas.microsoft.com/office/drawing/2014/main" id="{89911AB0-10AD-4000-9B2B-F0D4761FD8FB}"/>
               </a:ext>
             </a:extLst>
           </p:cNvPr>
@@ -5909,7 +5909,7 @@
           <p:cNvPr id="26" name="Picture 25">
             <a:extLst>
               <a:ext uri="{FF2B5EF4-FFF2-40B4-BE49-F238E27FC236}">
-                <a16:creationId xmlns:a16="http://schemas.microsoft.com/office/drawing/2014/main" xmlns="" id="{F9AB3D14-0A4B-4F3F-90B4-7CD6AC3D8BA1}"/>
+                <a16:creationId xmlns:a16="http://schemas.microsoft.com/office/drawing/2014/main" id="{F9AB3D14-0A4B-4F3F-90B4-7CD6AC3D8BA1}"/>
               </a:ext>
             </a:extLst>
           </p:cNvPr>
@@ -5945,7 +5945,7 @@
           <p:cNvPr id="27" name="Picture 26">
             <a:extLst>
               <a:ext uri="{FF2B5EF4-FFF2-40B4-BE49-F238E27FC236}">
-                <a16:creationId xmlns:a16="http://schemas.microsoft.com/office/drawing/2014/main" xmlns="" id="{B21C7AC2-A41C-467B-AFFA-ECCBA6D2F55E}"/>
+                <a16:creationId xmlns:a16="http://schemas.microsoft.com/office/drawing/2014/main" id="{B21C7AC2-A41C-467B-AFFA-ECCBA6D2F55E}"/>
               </a:ext>
             </a:extLst>
           </p:cNvPr>
@@ -6004,42 +6004,42 @@
                 <a:gridCol w="655915">
                   <a:extLst>
                     <a:ext uri="{9D8B030D-6E8A-4147-A177-3AD203B41FA5}">
-                      <a16:colId xmlns:a16="http://schemas.microsoft.com/office/drawing/2014/main" xmlns="" val="20000"/>
+                      <a16:colId xmlns:a16="http://schemas.microsoft.com/office/drawing/2014/main" val="20000"/>
                     </a:ext>
                   </a:extLst>
                 </a:gridCol>
                 <a:gridCol w="1172884">
                   <a:extLst>
                     <a:ext uri="{9D8B030D-6E8A-4147-A177-3AD203B41FA5}">
-                      <a16:colId xmlns:a16="http://schemas.microsoft.com/office/drawing/2014/main" xmlns="" val="20001"/>
+                      <a16:colId xmlns:a16="http://schemas.microsoft.com/office/drawing/2014/main" val="20001"/>
                     </a:ext>
                   </a:extLst>
                 </a:gridCol>
                 <a:gridCol w="2693366">
                   <a:extLst>
                     <a:ext uri="{9D8B030D-6E8A-4147-A177-3AD203B41FA5}">
-                      <a16:colId xmlns:a16="http://schemas.microsoft.com/office/drawing/2014/main" xmlns="" val="20002"/>
+                      <a16:colId xmlns:a16="http://schemas.microsoft.com/office/drawing/2014/main" val="20002"/>
                     </a:ext>
                   </a:extLst>
                 </a:gridCol>
                 <a:gridCol w="1919747">
                   <a:extLst>
                     <a:ext uri="{9D8B030D-6E8A-4147-A177-3AD203B41FA5}">
-                      <a16:colId xmlns:a16="http://schemas.microsoft.com/office/drawing/2014/main" xmlns="" val="20003"/>
+                      <a16:colId xmlns:a16="http://schemas.microsoft.com/office/drawing/2014/main" val="20003"/>
                     </a:ext>
                   </a:extLst>
                 </a:gridCol>
                 <a:gridCol w="1598674">
                   <a:extLst>
                     <a:ext uri="{9D8B030D-6E8A-4147-A177-3AD203B41FA5}">
-                      <a16:colId xmlns:a16="http://schemas.microsoft.com/office/drawing/2014/main" xmlns="" val="20004"/>
+                      <a16:colId xmlns:a16="http://schemas.microsoft.com/office/drawing/2014/main" val="20004"/>
                     </a:ext>
                   </a:extLst>
                 </a:gridCol>
                 <a:gridCol w="722414">
                   <a:extLst>
                     <a:ext uri="{9D8B030D-6E8A-4147-A177-3AD203B41FA5}">
-                      <a16:colId xmlns:a16="http://schemas.microsoft.com/office/drawing/2014/main" xmlns="" val="20005"/>
+                      <a16:colId xmlns:a16="http://schemas.microsoft.com/office/drawing/2014/main" val="20005"/>
                     </a:ext>
                   </a:extLst>
                 </a:gridCol>
@@ -6179,7 +6179,7 @@
                 </a:tc>
                 <a:extLst>
                   <a:ext uri="{0D108BD9-81ED-4DB2-BD59-A6C34878D82A}">
-                    <a16:rowId xmlns:a16="http://schemas.microsoft.com/office/drawing/2014/main" xmlns="" val="10000"/>
+                    <a16:rowId xmlns:a16="http://schemas.microsoft.com/office/drawing/2014/main" val="10000"/>
                   </a:ext>
                 </a:extLst>
               </a:tr>
@@ -6408,7 +6408,7 @@
                 </a:tc>
                 <a:extLst>
                   <a:ext uri="{0D108BD9-81ED-4DB2-BD59-A6C34878D82A}">
-                    <a16:rowId xmlns:a16="http://schemas.microsoft.com/office/drawing/2014/main" xmlns="" val="10001"/>
+                    <a16:rowId xmlns:a16="http://schemas.microsoft.com/office/drawing/2014/main" val="10001"/>
                   </a:ext>
                 </a:extLst>
               </a:tr>
@@ -6655,7 +6655,7 @@
                 </a:tc>
                 <a:extLst>
                   <a:ext uri="{0D108BD9-81ED-4DB2-BD59-A6C34878D82A}">
-                    <a16:rowId xmlns:a16="http://schemas.microsoft.com/office/drawing/2014/main" xmlns="" val="10002"/>
+                    <a16:rowId xmlns:a16="http://schemas.microsoft.com/office/drawing/2014/main" val="10002"/>
                   </a:ext>
                 </a:extLst>
               </a:tr>
@@ -6867,7 +6867,7 @@
                 </a:tc>
                 <a:extLst>
                   <a:ext uri="{0D108BD9-81ED-4DB2-BD59-A6C34878D82A}">
-                    <a16:rowId xmlns:a16="http://schemas.microsoft.com/office/drawing/2014/main" xmlns="" val="10003"/>
+                    <a16:rowId xmlns:a16="http://schemas.microsoft.com/office/drawing/2014/main" val="10003"/>
                   </a:ext>
                 </a:extLst>
               </a:tr>
@@ -7156,7 +7156,7 @@
                 </a:tc>
                 <a:extLst>
                   <a:ext uri="{0D108BD9-81ED-4DB2-BD59-A6C34878D82A}">
-                    <a16:rowId xmlns:a16="http://schemas.microsoft.com/office/drawing/2014/main" xmlns="" val="10004"/>
+                    <a16:rowId xmlns:a16="http://schemas.microsoft.com/office/drawing/2014/main" val="10004"/>
                   </a:ext>
                 </a:extLst>
               </a:tr>
@@ -7387,7 +7387,7 @@
                 </a:tc>
                 <a:extLst>
                   <a:ext uri="{0D108BD9-81ED-4DB2-BD59-A6C34878D82A}">
-                    <a16:rowId xmlns:a16="http://schemas.microsoft.com/office/drawing/2014/main" xmlns="" val="10005"/>
+                    <a16:rowId xmlns:a16="http://schemas.microsoft.com/office/drawing/2014/main" val="10005"/>
                   </a:ext>
                 </a:extLst>
               </a:tr>
@@ -7597,7 +7597,7 @@
                 </a:tc>
                 <a:extLst>
                   <a:ext uri="{0D108BD9-81ED-4DB2-BD59-A6C34878D82A}">
-                    <a16:rowId xmlns:a16="http://schemas.microsoft.com/office/drawing/2014/main" xmlns="" val="10006"/>
+                    <a16:rowId xmlns:a16="http://schemas.microsoft.com/office/drawing/2014/main" val="10006"/>
                   </a:ext>
                 </a:extLst>
               </a:tr>
@@ -7784,7 +7784,7 @@
                 </a:tc>
                 <a:extLst>
                   <a:ext uri="{0D108BD9-81ED-4DB2-BD59-A6C34878D82A}">
-                    <a16:rowId xmlns:a16="http://schemas.microsoft.com/office/drawing/2014/main" xmlns="" val="10007"/>
+                    <a16:rowId xmlns:a16="http://schemas.microsoft.com/office/drawing/2014/main" val="10007"/>
                   </a:ext>
                 </a:extLst>
               </a:tr>
@@ -8013,12 +8013,8 @@
               <a:t>Include temperature with alert messages </a:t>
             </a:r>
             <a:r>
-              <a:rPr lang="en-US" dirty="0" smtClean="0"/>
-              <a:t>All </a:t>
-            </a:r>
-            <a:r>
               <a:rPr lang="en-US" dirty="0"/>
-              <a:t>requirements successfully met</a:t>
+              <a:t>All requirements successfully met</a:t>
             </a:r>
           </a:p>
           <a:p>
@@ -8124,13 +8120,6 @@
               </a:rPr>
               <a:t>Use weight threshold to identify passenger as child or adult</a:t>
             </a:r>
-            <a:endParaRPr lang="en-US" sz="2400" i="1" dirty="0">
-              <a:effectLst>
-                <a:outerShdw sx="0" sy="0">
-                  <a:srgbClr val="000000"/>
-                </a:outerShdw>
-              </a:effectLst>
-            </a:endParaRPr>
           </a:p>
         </p:txBody>
       </p:sp>
